--- a/Notebook_&_Presentation/credit score prediction.pptx
+++ b/Notebook_&_Presentation/credit score prediction.pptx
@@ -3207,7 +3207,7 @@
           <a:p>
             <a:fld id="{ECBD8DFE-54CC-41B3-BB9F-8A75AC47A501}" type="datetimeFigureOut">
               <a:rPr lang="en-US" smtClean="0"/>
-              <a:t>12/22/2023</a:t>
+              <a:t>12/26/2023</a:t>
             </a:fld>
             <a:endParaRPr lang="en-US"/>
           </a:p>
@@ -3877,7 +3877,7 @@
           <a:p>
             <a:fld id="{CA08476C-C981-41C9-84E1-7273DA27FDBD}" type="datetimeFigureOut">
               <a:rPr lang="en-US" smtClean="0"/>
-              <a:t>12/22/2023</a:t>
+              <a:t>12/26/2023</a:t>
             </a:fld>
             <a:endParaRPr lang="en-US"/>
           </a:p>
@@ -4056,7 +4056,7 @@
           <a:p>
             <a:fld id="{CA08476C-C981-41C9-84E1-7273DA27FDBD}" type="datetimeFigureOut">
               <a:rPr lang="en-US" smtClean="0"/>
-              <a:t>12/22/2023</a:t>
+              <a:t>12/26/2023</a:t>
             </a:fld>
             <a:endParaRPr lang="en-US"/>
           </a:p>
@@ -4236,7 +4236,7 @@
           <a:p>
             <a:fld id="{CA08476C-C981-41C9-84E1-7273DA27FDBD}" type="datetimeFigureOut">
               <a:rPr lang="en-US" smtClean="0"/>
-              <a:t>12/22/2023</a:t>
+              <a:t>12/26/2023</a:t>
             </a:fld>
             <a:endParaRPr lang="en-US"/>
           </a:p>
@@ -4406,7 +4406,7 @@
           <a:p>
             <a:fld id="{CA08476C-C981-41C9-84E1-7273DA27FDBD}" type="datetimeFigureOut">
               <a:rPr lang="en-US" smtClean="0"/>
-              <a:t>12/22/2023</a:t>
+              <a:t>12/26/2023</a:t>
             </a:fld>
             <a:endParaRPr lang="en-US"/>
           </a:p>
@@ -4719,7 +4719,7 @@
           <a:p>
             <a:fld id="{CA08476C-C981-41C9-84E1-7273DA27FDBD}" type="datetimeFigureOut">
               <a:rPr lang="en-US" smtClean="0"/>
-              <a:t>12/22/2023</a:t>
+              <a:t>12/26/2023</a:t>
             </a:fld>
             <a:endParaRPr lang="en-US"/>
           </a:p>
@@ -5105,7 +5105,7 @@
           <a:p>
             <a:fld id="{CA08476C-C981-41C9-84E1-7273DA27FDBD}" type="datetimeFigureOut">
               <a:rPr lang="en-US" smtClean="0"/>
-              <a:t>12/22/2023</a:t>
+              <a:t>12/26/2023</a:t>
             </a:fld>
             <a:endParaRPr lang="en-US"/>
           </a:p>
@@ -5539,7 +5539,7 @@
           <a:p>
             <a:fld id="{CA08476C-C981-41C9-84E1-7273DA27FDBD}" type="datetimeFigureOut">
               <a:rPr lang="en-US" smtClean="0"/>
-              <a:t>12/22/2023</a:t>
+              <a:t>12/26/2023</a:t>
             </a:fld>
             <a:endParaRPr lang="en-US"/>
           </a:p>
@@ -5657,7 +5657,7 @@
           <a:p>
             <a:fld id="{CA08476C-C981-41C9-84E1-7273DA27FDBD}" type="datetimeFigureOut">
               <a:rPr lang="en-US" smtClean="0"/>
-              <a:t>12/22/2023</a:t>
+              <a:t>12/26/2023</a:t>
             </a:fld>
             <a:endParaRPr lang="en-US"/>
           </a:p>
@@ -5752,7 +5752,7 @@
           <a:p>
             <a:fld id="{CA08476C-C981-41C9-84E1-7273DA27FDBD}" type="datetimeFigureOut">
               <a:rPr lang="en-US" smtClean="0"/>
-              <a:t>12/22/2023</a:t>
+              <a:t>12/26/2023</a:t>
             </a:fld>
             <a:endParaRPr lang="en-US"/>
           </a:p>
@@ -6102,7 +6102,7 @@
           <a:p>
             <a:fld id="{CA08476C-C981-41C9-84E1-7273DA27FDBD}" type="datetimeFigureOut">
               <a:rPr lang="en-US" smtClean="0"/>
-              <a:t>12/22/2023</a:t>
+              <a:t>12/26/2023</a:t>
             </a:fld>
             <a:endParaRPr lang="en-US"/>
           </a:p>
@@ -6527,7 +6527,7 @@
           <a:p>
             <a:fld id="{CA08476C-C981-41C9-84E1-7273DA27FDBD}" type="datetimeFigureOut">
               <a:rPr lang="en-US" smtClean="0"/>
-              <a:t>12/22/2023</a:t>
+              <a:t>12/26/2023</a:t>
             </a:fld>
             <a:endParaRPr lang="en-US"/>
           </a:p>
@@ -6808,7 +6808,7 @@
           <a:p>
             <a:fld id="{CA08476C-C981-41C9-84E1-7273DA27FDBD}" type="datetimeFigureOut">
               <a:rPr lang="en-US" smtClean="0"/>
-              <a:t>12/22/2023</a:t>
+              <a:t>12/26/2023</a:t>
             </a:fld>
             <a:endParaRPr lang="en-US"/>
           </a:p>
@@ -16116,7 +16116,9 @@
             </a:r>
           </a:p>
           <a:p>
-            <a:endParaRPr lang="en-US" dirty="0"/>
+            <a:endParaRPr lang="en-US" dirty="0">
+              <a:hlinkClick r:id="rId3"/>
+            </a:endParaRPr>
           </a:p>
           <a:p>
             <a:r>
@@ -16124,13 +16126,7 @@
                 <a:highlight>
                   <a:srgbClr val="C5E99B"/>
                 </a:highlight>
-                <a:hlinkClick r:id="rId3">
-                  <a:extLst>
-                    <a:ext uri="{A12FA001-AC4F-418D-AE19-62706E023703}">
-                      <ahyp:hlinkClr xmlns:ahyp="http://schemas.microsoft.com/office/drawing/2018/hyperlinkcolor" val="tx"/>
-                    </a:ext>
-                  </a:extLst>
-                </a:hlinkClick>
+                <a:hlinkClick r:id="rId3"/>
               </a:rPr>
               <a:t> https://github.com/MBAHTAWOONS/TWO-WHEELS-CREDIT-SCORE-PREDICTION.git</a:t>
             </a:r>
@@ -16178,9 +16174,15 @@
                 <a:highlight>
                   <a:srgbClr val="C5E99B"/>
                 </a:highlight>
+                <a:hlinkClick r:id="rId3"/>
               </a:rPr>
               <a:t>https://two-wheels-credit-score-prediction-ilycatheez.streamlit.app/</a:t>
             </a:r>
+            <a:endParaRPr lang="en-US" dirty="0">
+              <a:highlight>
+                <a:srgbClr val="C5E99B"/>
+              </a:highlight>
+            </a:endParaRPr>
           </a:p>
           <a:p>
             <a:endParaRPr lang="en-US" dirty="0">

--- a/Notebook_&_Presentation/credit score prediction.pptx
+++ b/Notebook_&_Presentation/credit score prediction.pptx
@@ -3207,7 +3207,7 @@
           <a:p>
             <a:fld id="{ECBD8DFE-54CC-41B3-BB9F-8A75AC47A501}" type="datetimeFigureOut">
               <a:rPr lang="en-US" smtClean="0"/>
-              <a:t>12/26/2023</a:t>
+              <a:t>1/18/2024</a:t>
             </a:fld>
             <a:endParaRPr lang="en-US"/>
           </a:p>
@@ -3877,7 +3877,7 @@
           <a:p>
             <a:fld id="{CA08476C-C981-41C9-84E1-7273DA27FDBD}" type="datetimeFigureOut">
               <a:rPr lang="en-US" smtClean="0"/>
-              <a:t>12/26/2023</a:t>
+              <a:t>1/18/2024</a:t>
             </a:fld>
             <a:endParaRPr lang="en-US"/>
           </a:p>
@@ -4056,7 +4056,7 @@
           <a:p>
             <a:fld id="{CA08476C-C981-41C9-84E1-7273DA27FDBD}" type="datetimeFigureOut">
               <a:rPr lang="en-US" smtClean="0"/>
-              <a:t>12/26/2023</a:t>
+              <a:t>1/18/2024</a:t>
             </a:fld>
             <a:endParaRPr lang="en-US"/>
           </a:p>
@@ -4236,7 +4236,7 @@
           <a:p>
             <a:fld id="{CA08476C-C981-41C9-84E1-7273DA27FDBD}" type="datetimeFigureOut">
               <a:rPr lang="en-US" smtClean="0"/>
-              <a:t>12/26/2023</a:t>
+              <a:t>1/18/2024</a:t>
             </a:fld>
             <a:endParaRPr lang="en-US"/>
           </a:p>
@@ -4406,7 +4406,7 @@
           <a:p>
             <a:fld id="{CA08476C-C981-41C9-84E1-7273DA27FDBD}" type="datetimeFigureOut">
               <a:rPr lang="en-US" smtClean="0"/>
-              <a:t>12/26/2023</a:t>
+              <a:t>1/18/2024</a:t>
             </a:fld>
             <a:endParaRPr lang="en-US"/>
           </a:p>
@@ -4719,7 +4719,7 @@
           <a:p>
             <a:fld id="{CA08476C-C981-41C9-84E1-7273DA27FDBD}" type="datetimeFigureOut">
               <a:rPr lang="en-US" smtClean="0"/>
-              <a:t>12/26/2023</a:t>
+              <a:t>1/18/2024</a:t>
             </a:fld>
             <a:endParaRPr lang="en-US"/>
           </a:p>
@@ -5105,7 +5105,7 @@
           <a:p>
             <a:fld id="{CA08476C-C981-41C9-84E1-7273DA27FDBD}" type="datetimeFigureOut">
               <a:rPr lang="en-US" smtClean="0"/>
-              <a:t>12/26/2023</a:t>
+              <a:t>1/18/2024</a:t>
             </a:fld>
             <a:endParaRPr lang="en-US"/>
           </a:p>
@@ -5539,7 +5539,7 @@
           <a:p>
             <a:fld id="{CA08476C-C981-41C9-84E1-7273DA27FDBD}" type="datetimeFigureOut">
               <a:rPr lang="en-US" smtClean="0"/>
-              <a:t>12/26/2023</a:t>
+              <a:t>1/18/2024</a:t>
             </a:fld>
             <a:endParaRPr lang="en-US"/>
           </a:p>
@@ -5657,7 +5657,7 @@
           <a:p>
             <a:fld id="{CA08476C-C981-41C9-84E1-7273DA27FDBD}" type="datetimeFigureOut">
               <a:rPr lang="en-US" smtClean="0"/>
-              <a:t>12/26/2023</a:t>
+              <a:t>1/18/2024</a:t>
             </a:fld>
             <a:endParaRPr lang="en-US"/>
           </a:p>
@@ -5752,7 +5752,7 @@
           <a:p>
             <a:fld id="{CA08476C-C981-41C9-84E1-7273DA27FDBD}" type="datetimeFigureOut">
               <a:rPr lang="en-US" smtClean="0"/>
-              <a:t>12/26/2023</a:t>
+              <a:t>1/18/2024</a:t>
             </a:fld>
             <a:endParaRPr lang="en-US"/>
           </a:p>
@@ -6102,7 +6102,7 @@
           <a:p>
             <a:fld id="{CA08476C-C981-41C9-84E1-7273DA27FDBD}" type="datetimeFigureOut">
               <a:rPr lang="en-US" smtClean="0"/>
-              <a:t>12/26/2023</a:t>
+              <a:t>1/18/2024</a:t>
             </a:fld>
             <a:endParaRPr lang="en-US"/>
           </a:p>
@@ -6527,7 +6527,7 @@
           <a:p>
             <a:fld id="{CA08476C-C981-41C9-84E1-7273DA27FDBD}" type="datetimeFigureOut">
               <a:rPr lang="en-US" smtClean="0"/>
-              <a:t>12/26/2023</a:t>
+              <a:t>1/18/2024</a:t>
             </a:fld>
             <a:endParaRPr lang="en-US"/>
           </a:p>
@@ -6808,7 +6808,7 @@
           <a:p>
             <a:fld id="{CA08476C-C981-41C9-84E1-7273DA27FDBD}" type="datetimeFigureOut">
               <a:rPr lang="en-US" smtClean="0"/>
-              <a:t>12/26/2023</a:t>
+              <a:t>1/18/2024</a:t>
             </a:fld>
             <a:endParaRPr lang="en-US"/>
           </a:p>
@@ -12084,7 +12084,9 @@
               </a:ext>
             </a:extLst>
           </p:cNvPr>
-          <p:cNvCxnSpPr/>
+          <p:cNvCxnSpPr>
+            <a:cxnSpLocks/>
+          </p:cNvCxnSpPr>
           <p:nvPr/>
         </p:nvCxnSpPr>
         <p:spPr>
@@ -15979,7 +15981,7 @@
           <a:p>
             <a:r>
               <a:rPr lang="en-US" dirty="0"/>
-              <a:t>Model can predict two wheels loan CREDIT SCORE with RMSE 9.66, so for the predict about credit score mistakes is around 9.66 unit score for the scale 350 -850 credit score.</a:t>
+              <a:t>Model can predict two wheels loan CREDIT SCORE with RMSE 10.21, so for the predict about credit score mistakes is around 10.21 unit score for the scale 350 -850 credit score.</a:t>
             </a:r>
           </a:p>
         </p:txBody>
@@ -16093,7 +16095,7 @@
         <p:spPr>
           <a:xfrm>
             <a:off x="1203195" y="1338470"/>
-            <a:ext cx="6218021" cy="2862322"/>
+            <a:ext cx="6218021" cy="2585323"/>
           </a:xfrm>
           <a:prstGeom prst="rect">
             <a:avLst/>
@@ -16145,24 +16147,19 @@
           </a:p>
           <a:p>
             <a:r>
-              <a:rPr lang="en-US" dirty="0" err="1">
-                <a:highlight>
-                  <a:srgbClr val="C5E99B"/>
-                </a:highlight>
-              </a:rPr>
-              <a:t>Streamlit</a:t>
-            </a:r>
-            <a:r>
               <a:rPr lang="en-US" dirty="0">
                 <a:highlight>
                   <a:srgbClr val="C5E99B"/>
                 </a:highlight>
               </a:rPr>
-              <a:t> Share Demo:</a:t>
+              <a:t>Demo:</a:t>
             </a:r>
           </a:p>
           <a:p>
             <a:endParaRPr lang="en-US" dirty="0">
+              <a:solidFill>
+                <a:srgbClr val="FFC000"/>
+              </a:solidFill>
               <a:highlight>
                 <a:srgbClr val="C5E99B"/>
               </a:highlight>
@@ -16170,22 +16167,63 @@
           </a:p>
           <a:p>
             <a:r>
-              <a:rPr lang="en-US" dirty="0">
+              <a:rPr lang="en-US" dirty="0" err="1">
+                <a:solidFill>
+                  <a:srgbClr val="FFC000"/>
+                </a:solidFill>
                 <a:highlight>
                   <a:srgbClr val="C5E99B"/>
                 </a:highlight>
-                <a:hlinkClick r:id="rId3"/>
+                <a:hlinkClick r:id="rId4">
+                  <a:extLst>
+                    <a:ext uri="{A12FA001-AC4F-418D-AE19-62706E023703}">
+                      <ahyp:hlinkClr xmlns:ahyp="http://schemas.microsoft.com/office/drawing/2018/hyperlinkcolor" val="tx"/>
+                    </a:ext>
+                  </a:extLst>
+                </a:hlinkClick>
               </a:rPr>
-              <a:t>https://two-wheels-credit-score-prediction-ilycatheez.streamlit.app/</a:t>
+              <a:t>Creditscoretwowheeler</a:t>
+            </a:r>
+            <a:r>
+              <a:rPr lang="en-US" dirty="0">
+                <a:solidFill>
+                  <a:srgbClr val="FFC000"/>
+                </a:solidFill>
+                <a:highlight>
+                  <a:srgbClr val="C5E99B"/>
+                </a:highlight>
+                <a:hlinkClick r:id="rId4">
+                  <a:extLst>
+                    <a:ext uri="{A12FA001-AC4F-418D-AE19-62706E023703}">
+                      <ahyp:hlinkClr xmlns:ahyp="http://schemas.microsoft.com/office/drawing/2018/hyperlinkcolor" val="tx"/>
+                    </a:ext>
+                  </a:extLst>
+                </a:hlinkClick>
+              </a:rPr>
+              <a:t> - a Hugging Face Space by </a:t>
+            </a:r>
+            <a:r>
+              <a:rPr lang="en-US" dirty="0" err="1">
+                <a:solidFill>
+                  <a:srgbClr val="FFC000"/>
+                </a:solidFill>
+                <a:highlight>
+                  <a:srgbClr val="C5E99B"/>
+                </a:highlight>
+                <a:hlinkClick r:id="rId4">
+                  <a:extLst>
+                    <a:ext uri="{A12FA001-AC4F-418D-AE19-62706E023703}">
+                      <ahyp:hlinkClr xmlns:ahyp="http://schemas.microsoft.com/office/drawing/2018/hyperlinkcolor" val="tx"/>
+                    </a:ext>
+                  </a:extLst>
+                </a:hlinkClick>
+              </a:rPr>
+              <a:t>MbahTawoons</a:t>
             </a:r>
             <a:endParaRPr lang="en-US" dirty="0">
-              <a:highlight>
-                <a:srgbClr val="C5E99B"/>
-              </a:highlight>
-            </a:endParaRPr>
-          </a:p>
-          <a:p>
-            <a:endParaRPr lang="en-US" dirty="0">
+              <a:solidFill>
+                <a:srgbClr val="FFC000"/>
+              </a:solidFill>
               <a:highlight>
                 <a:srgbClr val="C5E99B"/>
               </a:highlight>
@@ -21141,7 +21179,7 @@
         </p:spPr>
         <p:txBody>
           <a:bodyPr>
-            <a:normAutofit/>
+            <a:normAutofit lnSpcReduction="10000"/>
           </a:bodyPr>
           <a:lstStyle/>
           <a:p>
@@ -21165,7 +21203,21 @@
           <a:p>
             <a:r>
               <a:rPr lang="en-US" dirty="0"/>
-              <a:t>TARGET CONTINUOUS? CREDIT SCORE RANGE 350 - 850</a:t>
+              <a:t>TARGET CONTINUOUS? CREDIT SCORE RANGE 350 – 850.</a:t>
+            </a:r>
+          </a:p>
+          <a:p>
+            <a:r>
+              <a:rPr lang="en-US" dirty="0"/>
+              <a:t> in Indonesia generally credit score range 250-900 (idscore.id). so here more suitable use famous </a:t>
+            </a:r>
+            <a:r>
+              <a:rPr lang="en-US" dirty="0" err="1"/>
+              <a:t>FICOcredit</a:t>
+            </a:r>
+            <a:r>
+              <a:rPr lang="en-US" dirty="0"/>
+              <a:t> score and local credit score CIBIL</a:t>
             </a:r>
           </a:p>
           <a:p>
